--- a/kratko vpr/MAKSIMUM DRSEČEGA.pptx
+++ b/kratko vpr/MAKSIMUM DRSEČEGA.pptx
@@ -110,6 +110,11 @@
       </a:defRPr>
     </a:lvl9pPr>
   </p:defaultTextStyle>
+  <p:extLst>
+    <p:ext uri="{EFAFB233-063F-42B5-8137-9DF3F51BA10A}">
+      <p15:sldGuideLst xmlns:p15="http://schemas.microsoft.com/office/powerpoint/2012/main"/>
+    </p:ext>
+  </p:extLst>
 </p:presentation>
 </file>
 
@@ -1632,9 +1637,10 @@
         <a:bodyPr/>
         <a:lstStyle/>
         <a:p>
+          <a:pPr algn="l"/>
           <a:r>
             <a:rPr lang="sl-SI" dirty="0"/>
-            <a:t>[3, 2, 1, 2, 4, 3, 5, 5, 3, 2],3</a:t>
+            <a:t>[3, 2, 1, 2, 4, 3, 5, 5, 3, 2],3                               Rešitev [3, 2, 4, 4, 5, 5, 5, 5]</a:t>
           </a:r>
           <a:endParaRPr lang="en-US" dirty="0"/>
         </a:p>
@@ -1670,10 +1676,10 @@
         <a:lstStyle/>
         <a:p>
           <a:r>
-            <a:rPr lang="sl-SI"/>
-            <a:t>Maksimum odstranimo in vstavimo element manjši od maksimuma</a:t>
+            <a:rPr lang="sl-SI" dirty="0"/>
+            <a:t>Maksimum odstranimo in vstavimo element, manjši od maksimuma</a:t>
           </a:r>
-          <a:endParaRPr lang="en-US"/>
+          <a:endParaRPr lang="en-US" dirty="0"/>
         </a:p>
       </dgm:t>
     </dgm:pt>
@@ -1707,10 +1713,10 @@
         <a:lstStyle/>
         <a:p>
           <a:r>
-            <a:rPr lang="sl-SI"/>
-            <a:t>Maksimum odstranimo in vstavimo element  večji ali enak maksimumu</a:t>
+            <a:rPr lang="sl-SI" dirty="0"/>
+            <a:t>Maksimum odstranimo in vstavimo element, večji ali enak maksimumu</a:t>
           </a:r>
-          <a:endParaRPr lang="en-US"/>
+          <a:endParaRPr lang="en-US" dirty="0"/>
         </a:p>
       </dgm:t>
     </dgm:pt>
@@ -1744,10 +1750,10 @@
         <a:lstStyle/>
         <a:p>
           <a:r>
-            <a:rPr lang="sl-SI"/>
-            <a:t>Vstavimo element manjši od maksimuma</a:t>
+            <a:rPr lang="sl-SI" dirty="0"/>
+            <a:t>Vstavimo element, manjši od maksimuma</a:t>
           </a:r>
-          <a:endParaRPr lang="en-US"/>
+          <a:endParaRPr lang="en-US" dirty="0"/>
         </a:p>
       </dgm:t>
     </dgm:pt>
@@ -1781,10 +1787,10 @@
         <a:lstStyle/>
         <a:p>
           <a:r>
-            <a:rPr lang="sl-SI"/>
-            <a:t>Vstavimo element večji od maksimuma</a:t>
+            <a:rPr lang="sl-SI" dirty="0"/>
+            <a:t>Vstavimo element, večji od maksimuma</a:t>
           </a:r>
-          <a:endParaRPr lang="en-US"/>
+          <a:endParaRPr lang="en-US" dirty="0"/>
         </a:p>
       </dgm:t>
     </dgm:pt>
@@ -1818,10 +1824,10 @@
         <a:lstStyle/>
         <a:p>
           <a:r>
-            <a:rPr lang="sl-SI"/>
+            <a:rPr lang="sl-SI" dirty="0"/>
             <a:t>Števec ponovitev največjega</a:t>
           </a:r>
-          <a:endParaRPr lang="en-US"/>
+          <a:endParaRPr lang="en-US" dirty="0"/>
         </a:p>
       </dgm:t>
     </dgm:pt>
@@ -2025,10 +2031,10 @@
         <a:lstStyle/>
         <a:p>
           <a:r>
-            <a:rPr lang="sl-SI"/>
+            <a:rPr lang="sl-SI" dirty="0"/>
             <a:t>Najboljši primer(naraščajoči podatki) O(n)</a:t>
           </a:r>
-          <a:endParaRPr lang="en-US"/>
+          <a:endParaRPr lang="en-US" dirty="0"/>
         </a:p>
       </dgm:t>
     </dgm:pt>
@@ -2062,10 +2068,10 @@
         <a:lstStyle/>
         <a:p>
           <a:r>
-            <a:rPr lang="sl-SI"/>
+            <a:rPr lang="sl-SI" dirty="0"/>
             <a:t>Najslabši primer(obratno urejeni, na vsakem koraku izpade maksimum) O(n²)</a:t>
           </a:r>
-          <a:endParaRPr lang="en-US"/>
+          <a:endParaRPr lang="en-US" dirty="0"/>
         </a:p>
       </dgm:t>
     </dgm:pt>
@@ -2324,7 +2330,7 @@
           </a:pPr>
           <a:r>
             <a:rPr lang="sl-SI" sz="2800" kern="1200" dirty="0"/>
-            <a:t>[3, 2, 1, 2, 4, 3, 5, 5, 3, 2],3</a:t>
+            <a:t>[3, 2, 1, 2, 4, 3, 5, 5, 3, 2],3                               Rešitev [3, 2, 4, 4, 5, 5, 5, 5]</a:t>
           </a:r>
           <a:endParaRPr lang="en-US" sz="2800" kern="1200" dirty="0"/>
         </a:p>
@@ -2470,10 +2476,10 @@
             <a:buNone/>
           </a:pPr>
           <a:r>
-            <a:rPr lang="sl-SI" sz="2800" kern="1200"/>
-            <a:t>Maksimum odstranimo in vstavimo element manjši od maksimuma</a:t>
+            <a:rPr lang="sl-SI" sz="2800" kern="1200" dirty="0"/>
+            <a:t>Maksimum odstranimo in vstavimo element, manjši od maksimuma</a:t>
           </a:r>
-          <a:endParaRPr lang="en-US" sz="2800" kern="1200"/>
+          <a:endParaRPr lang="en-US" sz="2800" kern="1200" dirty="0"/>
         </a:p>
       </dsp:txBody>
       <dsp:txXfrm>
@@ -2617,10 +2623,10 @@
             <a:buNone/>
           </a:pPr>
           <a:r>
-            <a:rPr lang="sl-SI" sz="2800" kern="1200"/>
-            <a:t>Maksimum odstranimo in vstavimo element  večji ali enak maksimumu</a:t>
+            <a:rPr lang="sl-SI" sz="2800" kern="1200" dirty="0"/>
+            <a:t>Maksimum odstranimo in vstavimo element, večji ali enak maksimumu</a:t>
           </a:r>
-          <a:endParaRPr lang="en-US" sz="2800" kern="1200"/>
+          <a:endParaRPr lang="en-US" sz="2800" kern="1200" dirty="0"/>
         </a:p>
       </dsp:txBody>
       <dsp:txXfrm>
@@ -2764,10 +2770,10 @@
             <a:buNone/>
           </a:pPr>
           <a:r>
-            <a:rPr lang="sl-SI" sz="2800" kern="1200"/>
-            <a:t>Vstavimo element manjši od maksimuma</a:t>
+            <a:rPr lang="sl-SI" sz="2800" kern="1200" dirty="0"/>
+            <a:t>Vstavimo element, manjši od maksimuma</a:t>
           </a:r>
-          <a:endParaRPr lang="en-US" sz="2800" kern="1200"/>
+          <a:endParaRPr lang="en-US" sz="2800" kern="1200" dirty="0"/>
         </a:p>
       </dsp:txBody>
       <dsp:txXfrm>
@@ -2911,10 +2917,10 @@
             <a:buNone/>
           </a:pPr>
           <a:r>
-            <a:rPr lang="sl-SI" sz="2800" kern="1200"/>
-            <a:t>Vstavimo element večji od maksimuma</a:t>
+            <a:rPr lang="sl-SI" sz="2800" kern="1200" dirty="0"/>
+            <a:t>Vstavimo element, večji od maksimuma</a:t>
           </a:r>
-          <a:endParaRPr lang="en-US" sz="2800" kern="1200"/>
+          <a:endParaRPr lang="en-US" sz="2800" kern="1200" dirty="0"/>
         </a:p>
       </dsp:txBody>
       <dsp:txXfrm>
@@ -3058,10 +3064,10 @@
             <a:buNone/>
           </a:pPr>
           <a:r>
-            <a:rPr lang="sl-SI" sz="2800" kern="1200"/>
+            <a:rPr lang="sl-SI" sz="2800" kern="1200" dirty="0"/>
             <a:t>Števec ponovitev največjega</a:t>
           </a:r>
-          <a:endParaRPr lang="en-US" sz="2800" kern="1200"/>
+          <a:endParaRPr lang="en-US" sz="2800" kern="1200" dirty="0"/>
         </a:p>
       </dsp:txBody>
       <dsp:txXfrm>
@@ -3202,10 +3208,10 @@
             <a:buNone/>
           </a:pPr>
           <a:r>
-            <a:rPr lang="sl-SI" sz="3600" kern="1200"/>
+            <a:rPr lang="sl-SI" sz="3600" kern="1200" dirty="0"/>
             <a:t>Najboljši primer(naraščajoči podatki) O(n)</a:t>
           </a:r>
-          <a:endParaRPr lang="en-US" sz="3600" kern="1200"/>
+          <a:endParaRPr lang="en-US" sz="3600" kern="1200" dirty="0"/>
         </a:p>
       </dsp:txBody>
       <dsp:txXfrm>
@@ -3334,10 +3340,10 @@
             <a:buNone/>
           </a:pPr>
           <a:r>
-            <a:rPr lang="sl-SI" sz="3600" kern="1200"/>
+            <a:rPr lang="sl-SI" sz="3600" kern="1200" dirty="0"/>
             <a:t>Najslabši primer(obratno urejeni, na vsakem koraku izpade maksimum) O(n²)</a:t>
           </a:r>
-          <a:endParaRPr lang="en-US" sz="3600" kern="1200"/>
+          <a:endParaRPr lang="en-US" sz="3600" kern="1200" dirty="0"/>
         </a:p>
       </dsp:txBody>
       <dsp:txXfrm>
@@ -6593,7 +6599,7 @@
           <a:p>
             <a:fld id="{588E9F40-9FC6-4CCC-80E4-3DB750B7486C}" type="datetimeFigureOut">
               <a:rPr lang="sl-SI" smtClean="0"/>
-              <a:t>26. 11. 2023</a:t>
+              <a:t>28. 11. 2023</a:t>
             </a:fld>
             <a:endParaRPr lang="sl-SI"/>
           </a:p>
@@ -6791,7 +6797,7 @@
           <a:p>
             <a:fld id="{588E9F40-9FC6-4CCC-80E4-3DB750B7486C}" type="datetimeFigureOut">
               <a:rPr lang="sl-SI" smtClean="0"/>
-              <a:t>26. 11. 2023</a:t>
+              <a:t>28. 11. 2023</a:t>
             </a:fld>
             <a:endParaRPr lang="sl-SI"/>
           </a:p>
@@ -6999,7 +7005,7 @@
           <a:p>
             <a:fld id="{588E9F40-9FC6-4CCC-80E4-3DB750B7486C}" type="datetimeFigureOut">
               <a:rPr lang="sl-SI" smtClean="0"/>
-              <a:t>26. 11. 2023</a:t>
+              <a:t>28. 11. 2023</a:t>
             </a:fld>
             <a:endParaRPr lang="sl-SI"/>
           </a:p>
@@ -7197,7 +7203,7 @@
           <a:p>
             <a:fld id="{588E9F40-9FC6-4CCC-80E4-3DB750B7486C}" type="datetimeFigureOut">
               <a:rPr lang="sl-SI" smtClean="0"/>
-              <a:t>26. 11. 2023</a:t>
+              <a:t>28. 11. 2023</a:t>
             </a:fld>
             <a:endParaRPr lang="sl-SI"/>
           </a:p>
@@ -7472,7 +7478,7 @@
           <a:p>
             <a:fld id="{588E9F40-9FC6-4CCC-80E4-3DB750B7486C}" type="datetimeFigureOut">
               <a:rPr lang="sl-SI" smtClean="0"/>
-              <a:t>26. 11. 2023</a:t>
+              <a:t>28. 11. 2023</a:t>
             </a:fld>
             <a:endParaRPr lang="sl-SI"/>
           </a:p>
@@ -7737,7 +7743,7 @@
           <a:p>
             <a:fld id="{588E9F40-9FC6-4CCC-80E4-3DB750B7486C}" type="datetimeFigureOut">
               <a:rPr lang="sl-SI" smtClean="0"/>
-              <a:t>26. 11. 2023</a:t>
+              <a:t>28. 11. 2023</a:t>
             </a:fld>
             <a:endParaRPr lang="sl-SI"/>
           </a:p>
@@ -8149,7 +8155,7 @@
           <a:p>
             <a:fld id="{588E9F40-9FC6-4CCC-80E4-3DB750B7486C}" type="datetimeFigureOut">
               <a:rPr lang="sl-SI" smtClean="0"/>
-              <a:t>26. 11. 2023</a:t>
+              <a:t>28. 11. 2023</a:t>
             </a:fld>
             <a:endParaRPr lang="sl-SI"/>
           </a:p>
@@ -8290,7 +8296,7 @@
           <a:p>
             <a:fld id="{588E9F40-9FC6-4CCC-80E4-3DB750B7486C}" type="datetimeFigureOut">
               <a:rPr lang="sl-SI" smtClean="0"/>
-              <a:t>26. 11. 2023</a:t>
+              <a:t>28. 11. 2023</a:t>
             </a:fld>
             <a:endParaRPr lang="sl-SI"/>
           </a:p>
@@ -8403,7 +8409,7 @@
           <a:p>
             <a:fld id="{588E9F40-9FC6-4CCC-80E4-3DB750B7486C}" type="datetimeFigureOut">
               <a:rPr lang="sl-SI" smtClean="0"/>
-              <a:t>26. 11. 2023</a:t>
+              <a:t>28. 11. 2023</a:t>
             </a:fld>
             <a:endParaRPr lang="sl-SI"/>
           </a:p>
@@ -8714,7 +8720,7 @@
           <a:p>
             <a:fld id="{588E9F40-9FC6-4CCC-80E4-3DB750B7486C}" type="datetimeFigureOut">
               <a:rPr lang="sl-SI" smtClean="0"/>
-              <a:t>26. 11. 2023</a:t>
+              <a:t>28. 11. 2023</a:t>
             </a:fld>
             <a:endParaRPr lang="sl-SI"/>
           </a:p>
@@ -9002,7 +9008,7 @@
           <a:p>
             <a:fld id="{588E9F40-9FC6-4CCC-80E4-3DB750B7486C}" type="datetimeFigureOut">
               <a:rPr lang="sl-SI" smtClean="0"/>
-              <a:t>26. 11. 2023</a:t>
+              <a:t>28. 11. 2023</a:t>
             </a:fld>
             <a:endParaRPr lang="sl-SI"/>
           </a:p>
@@ -9243,7 +9249,7 @@
           <a:p>
             <a:fld id="{588E9F40-9FC6-4CCC-80E4-3DB750B7486C}" type="datetimeFigureOut">
               <a:rPr lang="sl-SI" smtClean="0"/>
-              <a:t>26. 11. 2023</a:t>
+              <a:t>28. 11. 2023</a:t>
             </a:fld>
             <a:endParaRPr lang="sl-SI"/>
           </a:p>
@@ -10212,7 +10218,7 @@
           <a:p>
             <a:pPr algn="l"/>
             <a:r>
-              <a:rPr lang="sl-SI" sz="4800">
+              <a:rPr lang="sl-SI" sz="4800" dirty="0">
                 <a:solidFill>
                   <a:srgbClr val="FFFFFF"/>
                 </a:solidFill>
@@ -10220,14 +10226,14 @@
               <a:t>MAKSIMUM DRSEČEGA</a:t>
             </a:r>
             <a:br>
-              <a:rPr lang="sl-SI" sz="4800">
+              <a:rPr lang="sl-SI" sz="4800" dirty="0">
                 <a:solidFill>
                   <a:srgbClr val="FFFFFF"/>
                 </a:solidFill>
               </a:rPr>
             </a:br>
             <a:r>
-              <a:rPr lang="sl-SI" sz="4800">
+              <a:rPr lang="sl-SI" sz="4800" dirty="0">
                 <a:solidFill>
                   <a:srgbClr val="FFFFFF"/>
                 </a:solidFill>
@@ -10996,7 +11002,7 @@
           <a:p>
             <a:pPr algn="r"/>
             <a:r>
-              <a:rPr lang="sl-SI" sz="4000">
+              <a:rPr lang="sl-SI" sz="4000" dirty="0">
                 <a:solidFill>
                   <a:srgbClr val="FFFFFF"/>
                 </a:solidFill>
@@ -11036,21 +11042,27 @@
           <a:p>
             <a:r>
               <a:rPr lang="sl-SI" sz="2000" dirty="0"/>
-              <a:t>[3, 5, 10, 42, 48, 3, -15, </a:t>
+              <a:t>[3, 5, 10, 42, 48, 3, -15, 2, 8],4</a:t>
             </a:r>
+          </a:p>
+          <a:p>
+            <a:pPr lvl="1"/>
             <a:r>
-              <a:rPr lang="sl-SI" sz="2000"/>
-              <a:t>28],</a:t>
-            </a:r>
-            <a:r>
-              <a:rPr lang="sl-SI" sz="2000" dirty="0"/>
-              <a:t>4</a:t>
+              <a:rPr lang="sl-SI" sz="1600" dirty="0"/>
+              <a:t>Rešitev [42, 48, 48, 48, 48, 8]</a:t>
             </a:r>
           </a:p>
           <a:p>
             <a:r>
               <a:rPr lang="sl-SI" sz="2000" dirty="0"/>
               <a:t>[3, 2, 1, 2, 4, 3, 5, 5, 3, 2],3</a:t>
+            </a:r>
+          </a:p>
+          <a:p>
+            <a:pPr lvl="1"/>
+            <a:r>
+              <a:rPr lang="sl-SI" sz="1600" dirty="0"/>
+              <a:t>Rešitev [3, 2, 4, 4, 5, 5, 5, 5]</a:t>
             </a:r>
           </a:p>
         </p:txBody>
@@ -11160,10 +11172,9 @@
           <a:lstStyle/>
           <a:p>
             <a:r>
-              <a:rPr lang="sl-SI"/>
+              <a:rPr lang="sl-SI" dirty="0"/>
               <a:t>Algoritem za reševanje problema z vrsto</a:t>
             </a:r>
-            <a:endParaRPr lang="sl-SI" dirty="0"/>
           </a:p>
         </p:txBody>
       </p:sp>
@@ -11183,7 +11194,7 @@
             <p:ph idx="1"/>
             <p:extLst>
               <p:ext uri="{D42A27DB-BD31-4B8C-83A1-F6EECF244321}">
-                <p14:modId xmlns:p14="http://schemas.microsoft.com/office/powerpoint/2010/main" val="834942516"/>
+                <p14:modId xmlns:p14="http://schemas.microsoft.com/office/powerpoint/2010/main" val="480392981"/>
               </p:ext>
             </p:extLst>
           </p:nvPr>
@@ -11568,7 +11579,7 @@
           <a:lstStyle/>
           <a:p>
             <a:r>
-              <a:rPr lang="sl-SI" sz="4000">
+              <a:rPr lang="sl-SI" sz="4000" dirty="0">
                 <a:solidFill>
                   <a:srgbClr val="FFFFFF"/>
                 </a:solidFill>
@@ -12090,13 +12101,34 @@
           <a:p>
             <a:pPr algn="r"/>
             <a:r>
-              <a:rPr lang="en-US" sz="4000">
+              <a:rPr lang="en-US" sz="4000" dirty="0" err="1">
                 <a:solidFill>
                   <a:srgbClr val="FFFFFF"/>
                 </a:solidFill>
               </a:rPr>
-              <a:t>Vpogled v kodo</a:t>
+              <a:t>Vpogled</a:t>
             </a:r>
+            <a:r>
+              <a:rPr lang="en-US" sz="4000" dirty="0">
+                <a:solidFill>
+                  <a:srgbClr val="FFFFFF"/>
+                </a:solidFill>
+              </a:rPr>
+              <a:t> v </a:t>
+            </a:r>
+            <a:r>
+              <a:rPr lang="en-US" sz="4000" dirty="0" err="1">
+                <a:solidFill>
+                  <a:srgbClr val="FFFFFF"/>
+                </a:solidFill>
+              </a:rPr>
+              <a:t>kodo</a:t>
+            </a:r>
+            <a:endParaRPr lang="en-US" sz="4000" dirty="0">
+              <a:solidFill>
+                <a:srgbClr val="FFFFFF"/>
+              </a:solidFill>
+            </a:endParaRPr>
           </a:p>
         </p:txBody>
       </p:sp>
@@ -12704,13 +12736,50 @@
           <a:lstStyle/>
           <a:p>
             <a:r>
-              <a:rPr lang="en-US" sz="4800">
+              <a:rPr lang="en-US" sz="4800" dirty="0" err="1">
                 <a:solidFill>
                   <a:schemeClr val="bg1"/>
                 </a:solidFill>
               </a:rPr>
-              <a:t>Hvala za vašo pozornost</a:t>
+              <a:t>Hvala</a:t>
             </a:r>
+            <a:r>
+              <a:rPr lang="en-US" sz="4800" dirty="0">
+                <a:solidFill>
+                  <a:schemeClr val="bg1"/>
+                </a:solidFill>
+              </a:rPr>
+              <a:t> za </a:t>
+            </a:r>
+            <a:r>
+              <a:rPr lang="en-US" sz="4800" dirty="0" err="1">
+                <a:solidFill>
+                  <a:schemeClr val="bg1"/>
+                </a:solidFill>
+              </a:rPr>
+              <a:t>vašo</a:t>
+            </a:r>
+            <a:r>
+              <a:rPr lang="en-US" sz="4800" dirty="0">
+                <a:solidFill>
+                  <a:schemeClr val="bg1"/>
+                </a:solidFill>
+              </a:rPr>
+              <a:t> </a:t>
+            </a:r>
+            <a:r>
+              <a:rPr lang="en-US" sz="4800" dirty="0" err="1">
+                <a:solidFill>
+                  <a:schemeClr val="bg1"/>
+                </a:solidFill>
+              </a:rPr>
+              <a:t>pozornost</a:t>
+            </a:r>
+            <a:endParaRPr lang="en-US" sz="4800" dirty="0">
+              <a:solidFill>
+                <a:schemeClr val="bg1"/>
+              </a:solidFill>
+            </a:endParaRPr>
           </a:p>
         </p:txBody>
       </p:sp>
